--- a/resources/hw/genomic-data-visualization-HW_EC2.pptx
+++ b/resources/hw/genomic-data-visualization-HW_EC2.pptx
@@ -260,7 +260,7 @@
           <a:p>
             <a:fld id="{07F64382-535C-B245-BAEA-413BF007FFEF}" type="datetimeFigureOut">
               <a:rPr lang="en-US" smtClean="0"/>
-              <a:t>3/2/25</a:t>
+              <a:t>2/12/26</a:t>
             </a:fld>
             <a:endParaRPr lang="en-US"/>
           </a:p>
@@ -458,7 +458,7 @@
           <a:p>
             <a:fld id="{07F64382-535C-B245-BAEA-413BF007FFEF}" type="datetimeFigureOut">
               <a:rPr lang="en-US" smtClean="0"/>
-              <a:t>3/2/25</a:t>
+              <a:t>2/12/26</a:t>
             </a:fld>
             <a:endParaRPr lang="en-US"/>
           </a:p>
@@ -666,7 +666,7 @@
           <a:p>
             <a:fld id="{07F64382-535C-B245-BAEA-413BF007FFEF}" type="datetimeFigureOut">
               <a:rPr lang="en-US" smtClean="0"/>
-              <a:t>3/2/25</a:t>
+              <a:t>2/12/26</a:t>
             </a:fld>
             <a:endParaRPr lang="en-US"/>
           </a:p>
@@ -864,7 +864,7 @@
           <a:p>
             <a:fld id="{07F64382-535C-B245-BAEA-413BF007FFEF}" type="datetimeFigureOut">
               <a:rPr lang="en-US" smtClean="0"/>
-              <a:t>3/2/25</a:t>
+              <a:t>2/12/26</a:t>
             </a:fld>
             <a:endParaRPr lang="en-US"/>
           </a:p>
@@ -1139,7 +1139,7 @@
           <a:p>
             <a:fld id="{07F64382-535C-B245-BAEA-413BF007FFEF}" type="datetimeFigureOut">
               <a:rPr lang="en-US" smtClean="0"/>
-              <a:t>3/2/25</a:t>
+              <a:t>2/12/26</a:t>
             </a:fld>
             <a:endParaRPr lang="en-US"/>
           </a:p>
@@ -1404,7 +1404,7 @@
           <a:p>
             <a:fld id="{07F64382-535C-B245-BAEA-413BF007FFEF}" type="datetimeFigureOut">
               <a:rPr lang="en-US" smtClean="0"/>
-              <a:t>3/2/25</a:t>
+              <a:t>2/12/26</a:t>
             </a:fld>
             <a:endParaRPr lang="en-US"/>
           </a:p>
@@ -1816,7 +1816,7 @@
           <a:p>
             <a:fld id="{07F64382-535C-B245-BAEA-413BF007FFEF}" type="datetimeFigureOut">
               <a:rPr lang="en-US" smtClean="0"/>
-              <a:t>3/2/25</a:t>
+              <a:t>2/12/26</a:t>
             </a:fld>
             <a:endParaRPr lang="en-US"/>
           </a:p>
@@ -1957,7 +1957,7 @@
           <a:p>
             <a:fld id="{07F64382-535C-B245-BAEA-413BF007FFEF}" type="datetimeFigureOut">
               <a:rPr lang="en-US" smtClean="0"/>
-              <a:t>3/2/25</a:t>
+              <a:t>2/12/26</a:t>
             </a:fld>
             <a:endParaRPr lang="en-US"/>
           </a:p>
@@ -2070,7 +2070,7 @@
           <a:p>
             <a:fld id="{07F64382-535C-B245-BAEA-413BF007FFEF}" type="datetimeFigureOut">
               <a:rPr lang="en-US" smtClean="0"/>
-              <a:t>3/2/25</a:t>
+              <a:t>2/12/26</a:t>
             </a:fld>
             <a:endParaRPr lang="en-US"/>
           </a:p>
@@ -2381,7 +2381,7 @@
           <a:p>
             <a:fld id="{07F64382-535C-B245-BAEA-413BF007FFEF}" type="datetimeFigureOut">
               <a:rPr lang="en-US" smtClean="0"/>
-              <a:t>3/2/25</a:t>
+              <a:t>2/12/26</a:t>
             </a:fld>
             <a:endParaRPr lang="en-US"/>
           </a:p>
@@ -2669,7 +2669,7 @@
           <a:p>
             <a:fld id="{07F64382-535C-B245-BAEA-413BF007FFEF}" type="datetimeFigureOut">
               <a:rPr lang="en-US" smtClean="0"/>
-              <a:t>3/2/25</a:t>
+              <a:t>2/12/26</a:t>
             </a:fld>
             <a:endParaRPr lang="en-US"/>
           </a:p>
@@ -2910,7 +2910,7 @@
           <a:p>
             <a:fld id="{07F64382-535C-B245-BAEA-413BF007FFEF}" type="datetimeFigureOut">
               <a:rPr lang="en-US" smtClean="0"/>
-              <a:t>3/2/25</a:t>
+              <a:t>2/12/26</a:t>
             </a:fld>
             <a:endParaRPr lang="en-US"/>
           </a:p>
@@ -3385,7 +3385,7 @@
           <a:p>
             <a:r>
               <a:rPr lang="en-US" dirty="0"/>
-              <a:t>Due 3/7 (Midnight Baltimore Time) or earlier</a:t>
+              <a:t>Due 3/2 (Midnight Baltimore Time) or earlier</a:t>
             </a:r>
           </a:p>
         </p:txBody>
@@ -3455,7 +3455,7 @@
             </a:r>
             <a:r>
               <a:rPr lang="en-US" dirty="0" err="1"/>
-              <a:t>eevee</a:t>
+              <a:t>Visium</a:t>
             </a:r>
             <a:r>
               <a:rPr lang="en-US" dirty="0"/>
@@ -3505,39 +3505,7 @@
                   <a:srgbClr val="404040"/>
                 </a:solidFill>
               </a:rPr>
-              <a:t>Make a new data visualization of the multi-cellular spot resolution spatial transcriptomics sequencing dataset. Identify a cell-type of interest. You are welcome to use the same cell-type as you did for HW3/4.</a:t>
-            </a:r>
-          </a:p>
-          <a:p>
-            <a:pPr marL="0" indent="0">
-              <a:lnSpc>
-                <a:spcPct val="90000"/>
-              </a:lnSpc>
-              <a:buNone/>
-            </a:pPr>
-            <a:r>
-              <a:rPr lang="en-US" sz="1500" dirty="0">
-                <a:solidFill>
-                  <a:srgbClr val="404040"/>
-                </a:solidFill>
-              </a:rPr>
-              <a:t>Compare your result with the clustering and differential expression analysis you did previously in HW3/4. </a:t>
-            </a:r>
-          </a:p>
-          <a:p>
-            <a:pPr marL="0" indent="0">
-              <a:lnSpc>
-                <a:spcPct val="90000"/>
-              </a:lnSpc>
-              <a:buNone/>
-            </a:pPr>
-            <a:r>
-              <a:rPr lang="en-US" sz="1500" dirty="0">
-                <a:solidFill>
-                  <a:srgbClr val="404040"/>
-                </a:solidFill>
-              </a:rPr>
-              <a:t>Explain how your results are similar or different. Create a data visualization comparing the two analyses. </a:t>
+              <a:t>Make a new data visualization of the multi-cellular spot resolution spatial transcriptomics sequencing dataset. Compare your result with the clustering and differential expression analysis you did previously in HW3/4. Explain how your results are similar or different. Create a data visualization comparing all three analyses. </a:t>
             </a:r>
           </a:p>
           <a:p>
@@ -3579,28 +3547,43 @@
             </a:endParaRPr>
           </a:p>
           <a:p>
+            <a:pPr>
+              <a:buFont typeface="+mj-lt"/>
+              <a:buAutoNum type="arabicPeriod"/>
+            </a:pPr>
+            <a:r>
+              <a:rPr lang="en-US" sz="1600" b="0" i="0" dirty="0">
+                <a:effectLst/>
+                <a:latin typeface="-apple-system"/>
+              </a:rPr>
+              <a:t>K-means clustering on the tissue </a:t>
+            </a:r>
+          </a:p>
+          <a:p>
             <a:pPr algn="l">
               <a:buFont typeface="+mj-lt"/>
               <a:buAutoNum type="arabicPeriod"/>
             </a:pPr>
             <a:r>
-              <a:rPr lang="en-US" sz="1600" dirty="0">
-                <a:latin typeface="-apple-system"/>
-              </a:rPr>
-              <a:t>A visualization of deconvolved gene expression associated with the cell-type of interest</a:t>
-            </a:r>
-          </a:p>
-          <a:p>
-            <a:pPr>
-              <a:buFont typeface="+mj-lt"/>
-              <a:buAutoNum type="arabicPeriod"/>
-            </a:pPr>
-            <a:r>
               <a:rPr lang="en-US" sz="1600" b="0" i="0" dirty="0">
                 <a:effectLst/>
                 <a:latin typeface="-apple-system"/>
               </a:rPr>
-              <a:t>K-means clustering using the same k on the tissue </a:t>
+              <a:t>A visualization of cell-type(s) of interest across both </a:t>
+            </a:r>
+            <a:r>
+              <a:rPr lang="en-US" sz="1600" b="0" i="0" dirty="0" err="1">
+                <a:effectLst/>
+                <a:latin typeface="-apple-system"/>
+              </a:rPr>
+              <a:t>Visium</a:t>
+            </a:r>
+            <a:r>
+              <a:rPr lang="en-US" sz="1600" b="0" i="0" dirty="0">
+                <a:effectLst/>
+                <a:latin typeface="-apple-system"/>
+              </a:rPr>
+              <a:t> and Xenium</a:t>
             </a:r>
           </a:p>
           <a:p>
@@ -3613,7 +3596,21 @@
                 <a:effectLst/>
                 <a:latin typeface="-apple-system"/>
               </a:rPr>
-              <a:t>A visualization of differentially upregulated genes associated with the cell-type of interest</a:t>
+              <a:t>A visualization of differentially upregulated genes associated with the cell-type(s) of interest across both </a:t>
+            </a:r>
+            <a:r>
+              <a:rPr lang="en-US" sz="1600" b="0" i="0" dirty="0" err="1">
+                <a:effectLst/>
+                <a:latin typeface="-apple-system"/>
+              </a:rPr>
+              <a:t>Visium</a:t>
+            </a:r>
+            <a:r>
+              <a:rPr lang="en-US" sz="1600" b="0" i="0" dirty="0">
+                <a:effectLst/>
+                <a:latin typeface="-apple-system"/>
+              </a:rPr>
+              <a:t> and Xenium using clustering or deconvolution analysis</a:t>
             </a:r>
           </a:p>
           <a:p>
